--- a/M4_Blockchain_Opportunity_Analysis/Week4/files/Business_Model_Canvas.pptx
+++ b/M4_Blockchain_Opportunity_Analysis/Week4/files/Business_Model_Canvas.pptx
@@ -104,6 +104,11 @@
       </a:defRPr>
     </a:lvl9pPr>
   </p:defaultTextStyle>
+  <p:extLst>
+    <p:ext uri="{EFAFB233-063F-42B5-8137-9DF3F51BA10A}">
+      <p15:sldGuideLst xmlns:p15="http://schemas.microsoft.com/office/powerpoint/2012/main"/>
+    </p:ext>
+  </p:extLst>
 </p:presentation>
 </file>
 
@@ -256,7 +261,7 @@
           <a:p>
             <a:fld id="{A8239259-A98B-5548-9476-2B65E2974ED8}" type="datetimeFigureOut">
               <a:rPr lang="en-MX" smtClean="0"/>
-              <a:t>16/02/22</a:t>
+              <a:t>20/03/22</a:t>
             </a:fld>
             <a:endParaRPr lang="en-MX"/>
           </a:p>
@@ -456,7 +461,7 @@
           <a:p>
             <a:fld id="{A8239259-A98B-5548-9476-2B65E2974ED8}" type="datetimeFigureOut">
               <a:rPr lang="en-MX" smtClean="0"/>
-              <a:t>16/02/22</a:t>
+              <a:t>20/03/22</a:t>
             </a:fld>
             <a:endParaRPr lang="en-MX"/>
           </a:p>
@@ -666,7 +671,7 @@
           <a:p>
             <a:fld id="{A8239259-A98B-5548-9476-2B65E2974ED8}" type="datetimeFigureOut">
               <a:rPr lang="en-MX" smtClean="0"/>
-              <a:t>16/02/22</a:t>
+              <a:t>20/03/22</a:t>
             </a:fld>
             <a:endParaRPr lang="en-MX"/>
           </a:p>
@@ -866,7 +871,7 @@
           <a:p>
             <a:fld id="{A8239259-A98B-5548-9476-2B65E2974ED8}" type="datetimeFigureOut">
               <a:rPr lang="en-MX" smtClean="0"/>
-              <a:t>16/02/22</a:t>
+              <a:t>20/03/22</a:t>
             </a:fld>
             <a:endParaRPr lang="en-MX"/>
           </a:p>
@@ -1142,7 +1147,7 @@
           <a:p>
             <a:fld id="{A8239259-A98B-5548-9476-2B65E2974ED8}" type="datetimeFigureOut">
               <a:rPr lang="en-MX" smtClean="0"/>
-              <a:t>16/02/22</a:t>
+              <a:t>20/03/22</a:t>
             </a:fld>
             <a:endParaRPr lang="en-MX"/>
           </a:p>
@@ -1410,7 +1415,7 @@
           <a:p>
             <a:fld id="{A8239259-A98B-5548-9476-2B65E2974ED8}" type="datetimeFigureOut">
               <a:rPr lang="en-MX" smtClean="0"/>
-              <a:t>16/02/22</a:t>
+              <a:t>20/03/22</a:t>
             </a:fld>
             <a:endParaRPr lang="en-MX"/>
           </a:p>
@@ -1825,7 +1830,7 @@
           <a:p>
             <a:fld id="{A8239259-A98B-5548-9476-2B65E2974ED8}" type="datetimeFigureOut">
               <a:rPr lang="en-MX" smtClean="0"/>
-              <a:t>16/02/22</a:t>
+              <a:t>20/03/22</a:t>
             </a:fld>
             <a:endParaRPr lang="en-MX"/>
           </a:p>
@@ -1967,7 +1972,7 @@
           <a:p>
             <a:fld id="{A8239259-A98B-5548-9476-2B65E2974ED8}" type="datetimeFigureOut">
               <a:rPr lang="en-MX" smtClean="0"/>
-              <a:t>16/02/22</a:t>
+              <a:t>20/03/22</a:t>
             </a:fld>
             <a:endParaRPr lang="en-MX"/>
           </a:p>
@@ -2080,7 +2085,7 @@
           <a:p>
             <a:fld id="{A8239259-A98B-5548-9476-2B65E2974ED8}" type="datetimeFigureOut">
               <a:rPr lang="en-MX" smtClean="0"/>
-              <a:t>16/02/22</a:t>
+              <a:t>20/03/22</a:t>
             </a:fld>
             <a:endParaRPr lang="en-MX"/>
           </a:p>
@@ -2393,7 +2398,7 @@
           <a:p>
             <a:fld id="{A8239259-A98B-5548-9476-2B65E2974ED8}" type="datetimeFigureOut">
               <a:rPr lang="en-MX" smtClean="0"/>
-              <a:t>16/02/22</a:t>
+              <a:t>20/03/22</a:t>
             </a:fld>
             <a:endParaRPr lang="en-MX"/>
           </a:p>
@@ -2682,7 +2687,7 @@
           <a:p>
             <a:fld id="{A8239259-A98B-5548-9476-2B65E2974ED8}" type="datetimeFigureOut">
               <a:rPr lang="en-MX" smtClean="0"/>
-              <a:t>16/02/22</a:t>
+              <a:t>20/03/22</a:t>
             </a:fld>
             <a:endParaRPr lang="en-MX"/>
           </a:p>
@@ -2925,7 +2930,7 @@
           <a:p>
             <a:fld id="{A8239259-A98B-5548-9476-2B65E2974ED8}" type="datetimeFigureOut">
               <a:rPr lang="en-MX" smtClean="0"/>
-              <a:t>16/02/22</a:t>
+              <a:t>20/03/22</a:t>
             </a:fld>
             <a:endParaRPr lang="en-MX"/>
           </a:p>
@@ -4613,7 +4618,7 @@
           <p:spPr>
             <a:xfrm>
               <a:off x="7205008" y="683616"/>
-              <a:ext cx="1916166" cy="307777"/>
+              <a:ext cx="1906484" cy="307777"/>
             </a:xfrm>
             <a:prstGeom prst="rect">
               <a:avLst/>
@@ -4630,7 +4635,7 @@
                 <a:rPr lang="en-MX" sz="1400" dirty="0">
                   <a:cs typeface="Al Bayan Plain" pitchFamily="2" charset="-78"/>
                 </a:rPr>
-                <a:t>Customer Relotionships</a:t>
+                <a:t>Customer Relationships</a:t>
               </a:r>
             </a:p>
           </p:txBody>
